--- a/2&3Queuing Theory.pptx
+++ b/2&3Queuing Theory.pptx
@@ -273,7 +273,7 @@
           <a:p>
             <a:fld id="{DED1BACD-D87C-4C6A-BA46-A2912CB94420}" type="datetimeFigureOut">
               <a:rPr lang="th-TH" smtClean="0"/>
-              <a:t>18/02/64</a:t>
+              <a:t>21/11/63</a:t>
             </a:fld>
             <a:endParaRPr lang="th-TH"/>
           </a:p>
@@ -473,7 +473,7 @@
           <a:p>
             <a:fld id="{DED1BACD-D87C-4C6A-BA46-A2912CB94420}" type="datetimeFigureOut">
               <a:rPr lang="th-TH" smtClean="0"/>
-              <a:t>18/02/64</a:t>
+              <a:t>21/11/63</a:t>
             </a:fld>
             <a:endParaRPr lang="th-TH"/>
           </a:p>
@@ -683,7 +683,7 @@
           <a:p>
             <a:fld id="{DED1BACD-D87C-4C6A-BA46-A2912CB94420}" type="datetimeFigureOut">
               <a:rPr lang="th-TH" smtClean="0"/>
-              <a:t>18/02/64</a:t>
+              <a:t>21/11/63</a:t>
             </a:fld>
             <a:endParaRPr lang="th-TH"/>
           </a:p>
@@ -883,7 +883,7 @@
           <a:p>
             <a:fld id="{DED1BACD-D87C-4C6A-BA46-A2912CB94420}" type="datetimeFigureOut">
               <a:rPr lang="th-TH" smtClean="0"/>
-              <a:t>18/02/64</a:t>
+              <a:t>21/11/63</a:t>
             </a:fld>
             <a:endParaRPr lang="th-TH"/>
           </a:p>
@@ -1159,7 +1159,7 @@
           <a:p>
             <a:fld id="{DED1BACD-D87C-4C6A-BA46-A2912CB94420}" type="datetimeFigureOut">
               <a:rPr lang="th-TH" smtClean="0"/>
-              <a:t>18/02/64</a:t>
+              <a:t>21/11/63</a:t>
             </a:fld>
             <a:endParaRPr lang="th-TH"/>
           </a:p>
@@ -1427,7 +1427,7 @@
           <a:p>
             <a:fld id="{DED1BACD-D87C-4C6A-BA46-A2912CB94420}" type="datetimeFigureOut">
               <a:rPr lang="th-TH" smtClean="0"/>
-              <a:t>18/02/64</a:t>
+              <a:t>21/11/63</a:t>
             </a:fld>
             <a:endParaRPr lang="th-TH"/>
           </a:p>
@@ -1842,7 +1842,7 @@
           <a:p>
             <a:fld id="{DED1BACD-D87C-4C6A-BA46-A2912CB94420}" type="datetimeFigureOut">
               <a:rPr lang="th-TH" smtClean="0"/>
-              <a:t>18/02/64</a:t>
+              <a:t>21/11/63</a:t>
             </a:fld>
             <a:endParaRPr lang="th-TH"/>
           </a:p>
@@ -1984,7 +1984,7 @@
           <a:p>
             <a:fld id="{DED1BACD-D87C-4C6A-BA46-A2912CB94420}" type="datetimeFigureOut">
               <a:rPr lang="th-TH" smtClean="0"/>
-              <a:t>18/02/64</a:t>
+              <a:t>21/11/63</a:t>
             </a:fld>
             <a:endParaRPr lang="th-TH"/>
           </a:p>
@@ -2097,7 +2097,7 @@
           <a:p>
             <a:fld id="{DED1BACD-D87C-4C6A-BA46-A2912CB94420}" type="datetimeFigureOut">
               <a:rPr lang="th-TH" smtClean="0"/>
-              <a:t>18/02/64</a:t>
+              <a:t>21/11/63</a:t>
             </a:fld>
             <a:endParaRPr lang="th-TH"/>
           </a:p>
@@ -2410,7 +2410,7 @@
           <a:p>
             <a:fld id="{DED1BACD-D87C-4C6A-BA46-A2912CB94420}" type="datetimeFigureOut">
               <a:rPr lang="th-TH" smtClean="0"/>
-              <a:t>18/02/64</a:t>
+              <a:t>21/11/63</a:t>
             </a:fld>
             <a:endParaRPr lang="th-TH"/>
           </a:p>
@@ -2699,7 +2699,7 @@
           <a:p>
             <a:fld id="{DED1BACD-D87C-4C6A-BA46-A2912CB94420}" type="datetimeFigureOut">
               <a:rPr lang="th-TH" smtClean="0"/>
-              <a:t>18/02/64</a:t>
+              <a:t>21/11/63</a:t>
             </a:fld>
             <a:endParaRPr lang="th-TH"/>
           </a:p>
@@ -2942,7 +2942,7 @@
           <a:p>
             <a:fld id="{DED1BACD-D87C-4C6A-BA46-A2912CB94420}" type="datetimeFigureOut">
               <a:rPr lang="th-TH" smtClean="0"/>
-              <a:t>18/02/64</a:t>
+              <a:t>21/11/63</a:t>
             </a:fld>
             <a:endParaRPr lang="th-TH"/>
           </a:p>
@@ -3846,7 +3846,7 @@
         </p:blipFill>
         <p:spPr>
           <a:xfrm>
-            <a:off x="-2317872" y="1703510"/>
+            <a:off x="442912" y="1228725"/>
             <a:ext cx="11306175" cy="4400550"/>
           </a:xfrm>
           <a:prstGeom prst="rect">
